--- a/Tower Defense.pptx
+++ b/Tower Defense.pptx
@@ -13106,7 +13106,15 @@
             </a:r>
             <a:r>
               <a:rPr lang="de-DE" dirty="0"/>
-              <a:t>TowerDefense.java, DatabaseManger.java, Enemy.java, Projectile.java, Tower.java</a:t>
+              <a:t>TowerDefense.java</a:t>
+            </a:r>
+            <a:r>
+              <a:rPr lang="de-DE"/>
+              <a:t>, DatabaseManager</a:t>
+            </a:r>
+            <a:r>
+              <a:rPr lang="de-DE" dirty="0"/>
+              <a:t>.java, Enemy.java, Projectile.java, Tower.java</a:t>
             </a:r>
           </a:p>
           <a:p>
@@ -13234,7 +13242,7 @@
           <a:lstStyle/>
           <a:p>
             <a:r>
-              <a:rPr lang="de-DE" sz="5100"/>
+              <a:rPr lang="de-DE" sz="5100" dirty="0"/>
               <a:t>Projektablaufplan</a:t>
             </a:r>
           </a:p>
